--- a/Français/4. Analysing data/5.Hierarchies.pptx
+++ b/Français/4. Analysing data/5.Hierarchies.pptx
@@ -202,7 +202,7 @@
           <a:p>
             <a:fld id="{056BA3B8-9F76-4D81-B71D-76CB85363062}" type="datetimeFigureOut">
               <a:rPr lang="en-US" smtClean="0"/>
-              <a:t>2/26/2025</a:t>
+              <a:t>3/5/2025</a:t>
             </a:fld>
             <a:endParaRPr lang="en-US"/>
           </a:p>
@@ -601,7 +601,7 @@
           <a:p>
             <a:fld id="{6F01DA4D-20EA-48D2-973C-0311EC3005D6}" type="datetimeFigureOut">
               <a:rPr lang="en-US" smtClean="0"/>
-              <a:t>2/26/2025</a:t>
+              <a:t>3/5/2025</a:t>
             </a:fld>
             <a:endParaRPr lang="en-US"/>
           </a:p>
@@ -771,7 +771,7 @@
           <a:p>
             <a:fld id="{6F01DA4D-20EA-48D2-973C-0311EC3005D6}" type="datetimeFigureOut">
               <a:rPr lang="en-US" smtClean="0"/>
-              <a:t>2/26/2025</a:t>
+              <a:t>3/5/2025</a:t>
             </a:fld>
             <a:endParaRPr lang="en-US"/>
           </a:p>
@@ -951,7 +951,7 @@
           <a:p>
             <a:fld id="{6F01DA4D-20EA-48D2-973C-0311EC3005D6}" type="datetimeFigureOut">
               <a:rPr lang="en-US" smtClean="0"/>
-              <a:t>2/26/2025</a:t>
+              <a:t>3/5/2025</a:t>
             </a:fld>
             <a:endParaRPr lang="en-US"/>
           </a:p>
@@ -1121,7 +1121,7 @@
           <a:p>
             <a:fld id="{6F01DA4D-20EA-48D2-973C-0311EC3005D6}" type="datetimeFigureOut">
               <a:rPr lang="en-US" smtClean="0"/>
-              <a:t>2/26/2025</a:t>
+              <a:t>3/5/2025</a:t>
             </a:fld>
             <a:endParaRPr lang="en-US"/>
           </a:p>
@@ -1367,7 +1367,7 @@
           <a:p>
             <a:fld id="{6F01DA4D-20EA-48D2-973C-0311EC3005D6}" type="datetimeFigureOut">
               <a:rPr lang="en-US" smtClean="0"/>
-              <a:t>2/26/2025</a:t>
+              <a:t>3/5/2025</a:t>
             </a:fld>
             <a:endParaRPr lang="en-US"/>
           </a:p>
@@ -1599,7 +1599,7 @@
           <a:p>
             <a:fld id="{6F01DA4D-20EA-48D2-973C-0311EC3005D6}" type="datetimeFigureOut">
               <a:rPr lang="en-US" smtClean="0"/>
-              <a:t>2/26/2025</a:t>
+              <a:t>3/5/2025</a:t>
             </a:fld>
             <a:endParaRPr lang="en-US"/>
           </a:p>
@@ -1966,7 +1966,7 @@
           <a:p>
             <a:fld id="{6F01DA4D-20EA-48D2-973C-0311EC3005D6}" type="datetimeFigureOut">
               <a:rPr lang="en-US" smtClean="0"/>
-              <a:t>2/26/2025</a:t>
+              <a:t>3/5/2025</a:t>
             </a:fld>
             <a:endParaRPr lang="en-US"/>
           </a:p>
@@ -2084,7 +2084,7 @@
           <a:p>
             <a:fld id="{6F01DA4D-20EA-48D2-973C-0311EC3005D6}" type="datetimeFigureOut">
               <a:rPr lang="en-US" smtClean="0"/>
-              <a:t>2/26/2025</a:t>
+              <a:t>3/5/2025</a:t>
             </a:fld>
             <a:endParaRPr lang="en-US"/>
           </a:p>
@@ -2179,7 +2179,7 @@
           <a:p>
             <a:fld id="{6F01DA4D-20EA-48D2-973C-0311EC3005D6}" type="datetimeFigureOut">
               <a:rPr lang="en-US" smtClean="0"/>
-              <a:t>2/26/2025</a:t>
+              <a:t>3/5/2025</a:t>
             </a:fld>
             <a:endParaRPr lang="en-US"/>
           </a:p>
@@ -2456,7 +2456,7 @@
           <a:p>
             <a:fld id="{6F01DA4D-20EA-48D2-973C-0311EC3005D6}" type="datetimeFigureOut">
               <a:rPr lang="en-US" smtClean="0"/>
-              <a:t>2/26/2025</a:t>
+              <a:t>3/5/2025</a:t>
             </a:fld>
             <a:endParaRPr lang="en-US"/>
           </a:p>
@@ -2709,7 +2709,7 @@
           <a:p>
             <a:fld id="{6F01DA4D-20EA-48D2-973C-0311EC3005D6}" type="datetimeFigureOut">
               <a:rPr lang="en-US" smtClean="0"/>
-              <a:t>2/26/2025</a:t>
+              <a:t>3/5/2025</a:t>
             </a:fld>
             <a:endParaRPr lang="en-US"/>
           </a:p>
@@ -2922,7 +2922,7 @@
           <a:p>
             <a:fld id="{6F01DA4D-20EA-48D2-973C-0311EC3005D6}" type="datetimeFigureOut">
               <a:rPr lang="en-US" smtClean="0"/>
-              <a:t>2/26/2025</a:t>
+              <a:t>3/5/2025</a:t>
             </a:fld>
             <a:endParaRPr lang="en-US"/>
           </a:p>
@@ -3620,8 +3620,12 @@
               <a:t>Note : </a:t>
             </a:r>
             <a:r>
+              <a:rPr lang="fr-FR" dirty="0" smtClean="0"/>
+              <a:t>Cet atelier </a:t>
+            </a:r>
+            <a:r>
               <a:rPr lang="fr-FR" dirty="0"/>
-              <a:t>Ce laboratoire utilise le fichier </a:t>
+              <a:t>utilise le fichier </a:t>
             </a:r>
             <a:r>
               <a:rPr lang="fr-FR" b="1" dirty="0" err="1"/>
@@ -3632,12 +3636,8 @@
               <a:t> situé dans le dossier des </a:t>
             </a:r>
             <a:r>
-              <a:rPr lang="fr-FR" b="1" dirty="0"/>
-              <a:t>sources\Excel</a:t>
-            </a:r>
-            <a:r>
-              <a:rPr lang="fr-FR" dirty="0"/>
-              <a:t>.</a:t>
+              <a:rPr lang="fr-FR" b="1" dirty="0" smtClean="0"/>
+              <a:t>sources\Excel Sources</a:t>
             </a:r>
             <a:endParaRPr lang="en-US" dirty="0"/>
           </a:p>
